--- a/doc/spring cloud 培训文档/springcloud.pptx
+++ b/doc/spring cloud 培训文档/springcloud.pptx
@@ -3144,7 +3144,11 @@
             <a:lstStyle/>
             <a:p>
               <a:pPr algn="ctr"/>
-              <a:endParaRPr lang="zh-CN" altLang="en-US"/>
+              <a:r>
+                <a:rPr lang="en-US" altLang="zh-CN" dirty="0" err="1" smtClean="0"/>
+                <a:t>api</a:t>
+              </a:r>
+              <a:endParaRPr lang="zh-CN" altLang="en-US" dirty="0"/>
             </a:p>
           </p:txBody>
         </p:sp>
@@ -3157,7 +3161,7 @@
           <p:spPr>
             <a:xfrm>
               <a:off x="4300154" y="2215977"/>
-              <a:ext cx="2051219" cy="568412"/>
+              <a:ext cx="1880456" cy="568412"/>
             </a:xfrm>
             <a:prstGeom prst="roundRect">
               <a:avLst/>
@@ -3212,8 +3216,8 @@
           </p:nvSpPr>
           <p:spPr>
             <a:xfrm>
-              <a:off x="6606744" y="2215977"/>
-              <a:ext cx="1886467" cy="568412"/>
+              <a:off x="6639258" y="2215977"/>
+              <a:ext cx="1853954" cy="568412"/>
             </a:xfrm>
             <a:prstGeom prst="roundRect">
               <a:avLst/>
@@ -3488,7 +3492,6 @@
               <a:rPr lang="en-US" altLang="zh-CN" sz="1400" dirty="0" smtClean="0"/>
               <a:t>server</a:t>
             </a:r>
-            <a:endParaRPr lang="en-US" altLang="zh-CN" sz="1400" dirty="0" smtClean="0"/>
           </a:p>
           <a:p>
             <a:pPr algn="ctr"/>
@@ -3903,330 +3906,6 @@
           </a:fontRef>
         </p:style>
       </p:cxnSp>
-      <p:cxnSp>
-        <p:nvCxnSpPr>
-          <p:cNvPr id="58" name="直接箭头连接符 57"/>
-          <p:cNvCxnSpPr>
-            <a:stCxn id="22" idx="2"/>
-            <a:endCxn id="12" idx="0"/>
-          </p:cNvCxnSpPr>
-          <p:nvPr/>
-        </p:nvCxnSpPr>
-        <p:spPr>
-          <a:xfrm>
-            <a:off x="4635406" y="3753998"/>
-            <a:ext cx="113708" cy="975577"/>
-          </a:xfrm>
-          <a:prstGeom prst="straightConnector1">
-            <a:avLst/>
-          </a:prstGeom>
-          <a:ln>
-            <a:tailEnd type="triangle"/>
-          </a:ln>
-        </p:spPr>
-        <p:style>
-          <a:lnRef idx="1">
-            <a:schemeClr val="accent1"/>
-          </a:lnRef>
-          <a:fillRef idx="0">
-            <a:schemeClr val="accent1"/>
-          </a:fillRef>
-          <a:effectRef idx="0">
-            <a:schemeClr val="accent1"/>
-          </a:effectRef>
-          <a:fontRef idx="minor">
-            <a:schemeClr val="tx1"/>
-          </a:fontRef>
-        </p:style>
-      </p:cxnSp>
-      <p:cxnSp>
-        <p:nvCxnSpPr>
-          <p:cNvPr id="60" name="直接箭头连接符 59"/>
-          <p:cNvCxnSpPr>
-            <a:stCxn id="23" idx="2"/>
-            <a:endCxn id="16" idx="0"/>
-          </p:cNvCxnSpPr>
-          <p:nvPr/>
-        </p:nvCxnSpPr>
-        <p:spPr>
-          <a:xfrm>
-            <a:off x="6264876" y="3753479"/>
-            <a:ext cx="0" cy="976096"/>
-          </a:xfrm>
-          <a:prstGeom prst="straightConnector1">
-            <a:avLst/>
-          </a:prstGeom>
-          <a:ln>
-            <a:tailEnd type="triangle"/>
-          </a:ln>
-        </p:spPr>
-        <p:style>
-          <a:lnRef idx="1">
-            <a:schemeClr val="accent1"/>
-          </a:lnRef>
-          <a:fillRef idx="0">
-            <a:schemeClr val="accent1"/>
-          </a:fillRef>
-          <a:effectRef idx="0">
-            <a:schemeClr val="accent1"/>
-          </a:effectRef>
-          <a:fontRef idx="minor">
-            <a:schemeClr val="tx1"/>
-          </a:fontRef>
-        </p:style>
-      </p:cxnSp>
-      <p:cxnSp>
-        <p:nvCxnSpPr>
-          <p:cNvPr id="62" name="直接箭头连接符 61"/>
-          <p:cNvCxnSpPr>
-            <a:stCxn id="24" idx="2"/>
-            <a:endCxn id="17" idx="0"/>
-          </p:cNvCxnSpPr>
-          <p:nvPr/>
-        </p:nvCxnSpPr>
-        <p:spPr>
-          <a:xfrm flipH="1">
-            <a:off x="7780638" y="3753479"/>
-            <a:ext cx="82378" cy="976096"/>
-          </a:xfrm>
-          <a:prstGeom prst="straightConnector1">
-            <a:avLst/>
-          </a:prstGeom>
-          <a:ln>
-            <a:tailEnd type="triangle"/>
-          </a:ln>
-        </p:spPr>
-        <p:style>
-          <a:lnRef idx="1">
-            <a:schemeClr val="accent1"/>
-          </a:lnRef>
-          <a:fillRef idx="0">
-            <a:schemeClr val="accent1"/>
-          </a:fillRef>
-          <a:effectRef idx="0">
-            <a:schemeClr val="accent1"/>
-          </a:effectRef>
-          <a:fontRef idx="minor">
-            <a:schemeClr val="tx1"/>
-          </a:fontRef>
-        </p:style>
-      </p:cxnSp>
-      <p:cxnSp>
-        <p:nvCxnSpPr>
-          <p:cNvPr id="64" name="直接箭头连接符 63"/>
-          <p:cNvCxnSpPr>
-            <a:stCxn id="23" idx="2"/>
-            <a:endCxn id="12" idx="0"/>
-          </p:cNvCxnSpPr>
-          <p:nvPr/>
-        </p:nvCxnSpPr>
-        <p:spPr>
-          <a:xfrm flipH="1">
-            <a:off x="4749114" y="3753479"/>
-            <a:ext cx="1515762" cy="976096"/>
-          </a:xfrm>
-          <a:prstGeom prst="straightConnector1">
-            <a:avLst/>
-          </a:prstGeom>
-          <a:ln>
-            <a:tailEnd type="triangle"/>
-          </a:ln>
-        </p:spPr>
-        <p:style>
-          <a:lnRef idx="1">
-            <a:schemeClr val="accent1"/>
-          </a:lnRef>
-          <a:fillRef idx="0">
-            <a:schemeClr val="accent1"/>
-          </a:fillRef>
-          <a:effectRef idx="0">
-            <a:schemeClr val="accent1"/>
-          </a:effectRef>
-          <a:fontRef idx="minor">
-            <a:schemeClr val="tx1"/>
-          </a:fontRef>
-        </p:style>
-      </p:cxnSp>
-      <p:cxnSp>
-        <p:nvCxnSpPr>
-          <p:cNvPr id="66" name="直接箭头连接符 65"/>
-          <p:cNvCxnSpPr>
-            <a:stCxn id="24" idx="2"/>
-            <a:endCxn id="12" idx="0"/>
-          </p:cNvCxnSpPr>
-          <p:nvPr/>
-        </p:nvCxnSpPr>
-        <p:spPr>
-          <a:xfrm flipH="1">
-            <a:off x="4749114" y="3753479"/>
-            <a:ext cx="3113902" cy="976096"/>
-          </a:xfrm>
-          <a:prstGeom prst="straightConnector1">
-            <a:avLst/>
-          </a:prstGeom>
-          <a:ln>
-            <a:tailEnd type="triangle"/>
-          </a:ln>
-        </p:spPr>
-        <p:style>
-          <a:lnRef idx="1">
-            <a:schemeClr val="accent1"/>
-          </a:lnRef>
-          <a:fillRef idx="0">
-            <a:schemeClr val="accent1"/>
-          </a:fillRef>
-          <a:effectRef idx="0">
-            <a:schemeClr val="accent1"/>
-          </a:effectRef>
-          <a:fontRef idx="minor">
-            <a:schemeClr val="tx1"/>
-          </a:fontRef>
-        </p:style>
-      </p:cxnSp>
-      <p:cxnSp>
-        <p:nvCxnSpPr>
-          <p:cNvPr id="68" name="直接箭头连接符 67"/>
-          <p:cNvCxnSpPr>
-            <a:stCxn id="22" idx="2"/>
-            <a:endCxn id="16" idx="0"/>
-          </p:cNvCxnSpPr>
-          <p:nvPr/>
-        </p:nvCxnSpPr>
-        <p:spPr>
-          <a:xfrm>
-            <a:off x="4635406" y="3753998"/>
-            <a:ext cx="1629470" cy="975577"/>
-          </a:xfrm>
-          <a:prstGeom prst="straightConnector1">
-            <a:avLst/>
-          </a:prstGeom>
-          <a:ln>
-            <a:tailEnd type="triangle"/>
-          </a:ln>
-        </p:spPr>
-        <p:style>
-          <a:lnRef idx="1">
-            <a:schemeClr val="accent1"/>
-          </a:lnRef>
-          <a:fillRef idx="0">
-            <a:schemeClr val="accent1"/>
-          </a:fillRef>
-          <a:effectRef idx="0">
-            <a:schemeClr val="accent1"/>
-          </a:effectRef>
-          <a:fontRef idx="minor">
-            <a:schemeClr val="tx1"/>
-          </a:fontRef>
-        </p:style>
-      </p:cxnSp>
-      <p:cxnSp>
-        <p:nvCxnSpPr>
-          <p:cNvPr id="70" name="直接箭头连接符 69"/>
-          <p:cNvCxnSpPr>
-            <a:stCxn id="23" idx="2"/>
-            <a:endCxn id="17" idx="0"/>
-          </p:cNvCxnSpPr>
-          <p:nvPr/>
-        </p:nvCxnSpPr>
-        <p:spPr>
-          <a:xfrm>
-            <a:off x="6264876" y="3753479"/>
-            <a:ext cx="1515762" cy="976096"/>
-          </a:xfrm>
-          <a:prstGeom prst="straightConnector1">
-            <a:avLst/>
-          </a:prstGeom>
-          <a:ln>
-            <a:tailEnd type="triangle"/>
-          </a:ln>
-        </p:spPr>
-        <p:style>
-          <a:lnRef idx="1">
-            <a:schemeClr val="accent1"/>
-          </a:lnRef>
-          <a:fillRef idx="0">
-            <a:schemeClr val="accent1"/>
-          </a:fillRef>
-          <a:effectRef idx="0">
-            <a:schemeClr val="accent1"/>
-          </a:effectRef>
-          <a:fontRef idx="minor">
-            <a:schemeClr val="tx1"/>
-          </a:fontRef>
-        </p:style>
-      </p:cxnSp>
-      <p:cxnSp>
-        <p:nvCxnSpPr>
-          <p:cNvPr id="72" name="直接箭头连接符 71"/>
-          <p:cNvCxnSpPr>
-            <a:stCxn id="24" idx="2"/>
-            <a:endCxn id="16" idx="0"/>
-          </p:cNvCxnSpPr>
-          <p:nvPr/>
-        </p:nvCxnSpPr>
-        <p:spPr>
-          <a:xfrm flipH="1">
-            <a:off x="6264876" y="3753479"/>
-            <a:ext cx="1598140" cy="976096"/>
-          </a:xfrm>
-          <a:prstGeom prst="straightConnector1">
-            <a:avLst/>
-          </a:prstGeom>
-          <a:ln>
-            <a:tailEnd type="triangle"/>
-          </a:ln>
-        </p:spPr>
-        <p:style>
-          <a:lnRef idx="1">
-            <a:schemeClr val="accent1"/>
-          </a:lnRef>
-          <a:fillRef idx="0">
-            <a:schemeClr val="accent1"/>
-          </a:fillRef>
-          <a:effectRef idx="0">
-            <a:schemeClr val="accent1"/>
-          </a:effectRef>
-          <a:fontRef idx="minor">
-            <a:schemeClr val="tx1"/>
-          </a:fontRef>
-        </p:style>
-      </p:cxnSp>
-      <p:cxnSp>
-        <p:nvCxnSpPr>
-          <p:cNvPr id="74" name="直接箭头连接符 73"/>
-          <p:cNvCxnSpPr>
-            <a:stCxn id="22" idx="2"/>
-            <a:endCxn id="17" idx="0"/>
-          </p:cNvCxnSpPr>
-          <p:nvPr/>
-        </p:nvCxnSpPr>
-        <p:spPr>
-          <a:xfrm>
-            <a:off x="4635406" y="3753998"/>
-            <a:ext cx="3145232" cy="975577"/>
-          </a:xfrm>
-          <a:prstGeom prst="straightConnector1">
-            <a:avLst/>
-          </a:prstGeom>
-          <a:ln>
-            <a:tailEnd type="triangle"/>
-          </a:ln>
-        </p:spPr>
-        <p:style>
-          <a:lnRef idx="1">
-            <a:schemeClr val="accent1"/>
-          </a:lnRef>
-          <a:fillRef idx="0">
-            <a:schemeClr val="accent1"/>
-          </a:fillRef>
-          <a:effectRef idx="0">
-            <a:schemeClr val="accent1"/>
-          </a:effectRef>
-          <a:fontRef idx="minor">
-            <a:schemeClr val="tx1"/>
-          </a:fontRef>
-        </p:style>
-      </p:cxnSp>
       <p:grpSp>
         <p:nvGrpSpPr>
           <p:cNvPr id="78" name="组合 77"/>
@@ -4250,7 +3929,7 @@
           <p:spPr>
             <a:xfrm>
               <a:off x="3314274" y="3286837"/>
-              <a:ext cx="392703" cy="437744"/>
+              <a:ext cx="392703" cy="626136"/>
             </a:xfrm>
             <a:prstGeom prst="leftArrow">
               <a:avLst/>
@@ -4544,6 +4223,46 @@
           </a:fontRef>
         </p:style>
       </p:cxnSp>
+      <p:sp>
+        <p:nvSpPr>
+          <p:cNvPr id="2" name="下箭头 1"/>
+          <p:cNvSpPr/>
+          <p:nvPr/>
+        </p:nvSpPr>
+        <p:spPr>
+          <a:xfrm>
+            <a:off x="5857103" y="4090348"/>
+            <a:ext cx="708454" cy="329514"/>
+          </a:xfrm>
+          <a:prstGeom prst="downArrow">
+            <a:avLst/>
+          </a:prstGeom>
+        </p:spPr>
+        <p:style>
+          <a:lnRef idx="2">
+            <a:schemeClr val="accent1">
+              <a:shade val="50000"/>
+            </a:schemeClr>
+          </a:lnRef>
+          <a:fillRef idx="1">
+            <a:schemeClr val="accent1"/>
+          </a:fillRef>
+          <a:effectRef idx="0">
+            <a:schemeClr val="accent1"/>
+          </a:effectRef>
+          <a:fontRef idx="minor">
+            <a:schemeClr val="lt1"/>
+          </a:fontRef>
+        </p:style>
+        <p:txBody>
+          <a:bodyPr rtlCol="0" anchor="ctr"/>
+          <a:lstStyle/>
+          <a:p>
+            <a:pPr algn="ctr"/>
+            <a:endParaRPr lang="zh-CN" altLang="en-US"/>
+          </a:p>
+        </p:txBody>
+      </p:sp>
     </p:spTree>
     <p:extLst>
       <p:ext uri="{BB962C8B-B14F-4D97-AF65-F5344CB8AC3E}">
